--- a/Beijing.pptx
+++ b/Beijing.pptx
@@ -118,6 +118,9 @@
     <p:ext uri="{EFAFB233-063F-42B5-8137-9DF3F51BA10A}">
       <p15:sldGuideLst xmlns:p15="http://schemas.microsoft.com/office/powerpoint/2012/main"/>
     </p:ext>
+    <p:ext uri="{2D200454-40CA-4A62-9FC3-DE9A4176ACB9}">
+      <p15:notesGuideLst xmlns:p15="http://schemas.microsoft.com/office/powerpoint/2012/main"/>
+    </p:ext>
   </p:extLst>
 </p:presentation>
 </file>
@@ -818,7 +821,7 @@
             <a:fld id="{87DE6118-2437-4B30-8E3C-4D2BE6020583}" type="datetimeFigureOut">
               <a:rPr lang="en-US" dirty="0"/>
               <a:pPr/>
-              <a:t>12/11/19</a:t>
+              <a:t>12/12/19</a:t>
             </a:fld>
             <a:endParaRPr lang="en-US" dirty="0"/>
           </a:p>
@@ -1144,7 +1147,7 @@
           <a:p>
             <a:fld id="{87DE6118-2437-4B30-8E3C-4D2BE6020583}" type="datetimeFigureOut">
               <a:rPr lang="en-US" dirty="0"/>
-              <a:t>12/11/19</a:t>
+              <a:t>12/12/19</a:t>
             </a:fld>
             <a:endParaRPr lang="en-US" dirty="0"/>
           </a:p>
@@ -1319,7 +1322,7 @@
           <a:p>
             <a:fld id="{87DE6118-2437-4B30-8E3C-4D2BE6020583}" type="datetimeFigureOut">
               <a:rPr lang="en-US" dirty="0"/>
-              <a:t>12/11/19</a:t>
+              <a:t>12/12/19</a:t>
             </a:fld>
             <a:endParaRPr lang="en-US" dirty="0"/>
           </a:p>
@@ -1484,7 +1487,7 @@
           <a:p>
             <a:fld id="{87DE6118-2437-4B30-8E3C-4D2BE6020583}" type="datetimeFigureOut">
               <a:rPr lang="en-US" dirty="0"/>
-              <a:t>12/11/19</a:t>
+              <a:t>12/12/19</a:t>
             </a:fld>
             <a:endParaRPr lang="en-US" dirty="0"/>
           </a:p>
@@ -1757,7 +1760,7 @@
             <a:fld id="{87DE6118-2437-4B30-8E3C-4D2BE6020583}" type="datetimeFigureOut">
               <a:rPr lang="en-US" dirty="0"/>
               <a:pPr/>
-              <a:t>12/11/19</a:t>
+              <a:t>12/12/19</a:t>
             </a:fld>
             <a:endParaRPr lang="en-US" dirty="0"/>
           </a:p>
@@ -2147,7 +2150,7 @@
           <a:p>
             <a:fld id="{87DE6118-2437-4B30-8E3C-4D2BE6020583}" type="datetimeFigureOut">
               <a:rPr lang="en-US" dirty="0"/>
-              <a:t>12/11/19</a:t>
+              <a:t>12/12/19</a:t>
             </a:fld>
             <a:endParaRPr lang="en-US" dirty="0"/>
           </a:p>
@@ -2619,7 +2622,7 @@
           <a:p>
             <a:fld id="{87DE6118-2437-4B30-8E3C-4D2BE6020583}" type="datetimeFigureOut">
               <a:rPr lang="en-US" dirty="0"/>
-              <a:t>12/11/19</a:t>
+              <a:t>12/12/19</a:t>
             </a:fld>
             <a:endParaRPr lang="en-US" dirty="0"/>
           </a:p>
@@ -2732,7 +2735,7 @@
           <a:p>
             <a:fld id="{87DE6118-2437-4B30-8E3C-4D2BE6020583}" type="datetimeFigureOut">
               <a:rPr lang="en-US" dirty="0"/>
-              <a:t>12/11/19</a:t>
+              <a:t>12/12/19</a:t>
             </a:fld>
             <a:endParaRPr lang="en-US" dirty="0"/>
           </a:p>
@@ -2822,7 +2825,7 @@
           <a:p>
             <a:fld id="{87DE6118-2437-4B30-8E3C-4D2BE6020583}" type="datetimeFigureOut">
               <a:rPr lang="en-US" dirty="0"/>
-              <a:t>12/11/19</a:t>
+              <a:t>12/12/19</a:t>
             </a:fld>
             <a:endParaRPr lang="en-US" dirty="0"/>
           </a:p>
@@ -3164,7 +3167,7 @@
             <a:fld id="{87DE6118-2437-4B30-8E3C-4D2BE6020583}" type="datetimeFigureOut">
               <a:rPr lang="en-US" dirty="0"/>
               <a:pPr/>
-              <a:t>12/11/19</a:t>
+              <a:t>12/12/19</a:t>
             </a:fld>
             <a:endParaRPr lang="en-US" dirty="0"/>
           </a:p>
@@ -3549,7 +3552,7 @@
             <a:fld id="{87DE6118-2437-4B30-8E3C-4D2BE6020583}" type="datetimeFigureOut">
               <a:rPr lang="en-US" dirty="0"/>
               <a:pPr/>
-              <a:t>12/11/19</a:t>
+              <a:t>12/12/19</a:t>
             </a:fld>
             <a:endParaRPr lang="en-US" dirty="0"/>
           </a:p>
@@ -3824,7 +3827,7 @@
             <a:fld id="{87DE6118-2437-4B30-8E3C-4D2BE6020583}" type="datetimeFigureOut">
               <a:rPr lang="en-US" dirty="0"/>
               <a:pPr/>
-              <a:t>12/11/19</a:t>
+              <a:t>12/12/19</a:t>
             </a:fld>
             <a:endParaRPr lang="en-US" dirty="0"/>
           </a:p>
@@ -4532,7 +4535,6 @@
               <a:rPr lang="en-US" altLang="zh-CN" dirty="0" smtClean="0"/>
               <a:t>detectors </a:t>
             </a:r>
-            <a:endParaRPr lang="en-US" altLang="zh-CN" dirty="0" smtClean="0"/>
           </a:p>
           <a:p>
             <a:r>
@@ -5389,7 +5391,9 @@
         </p:nvSpPr>
         <p:spPr/>
         <p:txBody>
-          <a:bodyPr/>
+          <a:bodyPr>
+            <a:normAutofit/>
+          </a:bodyPr>
           <a:lstStyle/>
           <a:p>
             <a:pPr marL="0" lvl="0" indent="0" algn="ctr">
@@ -5405,7 +5409,7 @@
               <a:buNone/>
             </a:pPr>
             <a:r>
-              <a:rPr lang="en-US" b="1" dirty="0">
+              <a:rPr lang="en-US" sz="2800" b="1" dirty="0">
                 <a:solidFill>
                   <a:schemeClr val="tx1"/>
                 </a:solidFill>
@@ -5413,11 +5417,86 @@
               </a:rPr>
               <a:t>https://mingligraphics.github.io/beijing-air/</a:t>
             </a:r>
-            <a:endParaRPr lang="en-US" b="1" dirty="0">
+            <a:endParaRPr lang="en-US" sz="2800" b="1" dirty="0">
               <a:solidFill>
                 <a:schemeClr val="tx1"/>
               </a:solidFill>
             </a:endParaRPr>
+          </a:p>
+        </p:txBody>
+      </p:sp>
+      <p:sp>
+        <p:nvSpPr>
+          <p:cNvPr id="2" name="TextBox 1"/>
+          <p:cNvSpPr txBox="1"/>
+          <p:nvPr/>
+        </p:nvSpPr>
+        <p:spPr>
+          <a:xfrm>
+            <a:off x="2135140" y="3939309"/>
+            <a:ext cx="7539821" cy="1200329"/>
+          </a:xfrm>
+          <a:prstGeom prst="rect">
+            <a:avLst/>
+          </a:prstGeom>
+          <a:noFill/>
+        </p:spPr>
+        <p:txBody>
+          <a:bodyPr wrap="none" rtlCol="0">
+            <a:spAutoFit/>
+          </a:bodyPr>
+          <a:lstStyle/>
+          <a:p>
+            <a:r>
+              <a:rPr lang="en-US" sz="2400" dirty="0" smtClean="0"/>
+              <a:t>Charts: pandas, </a:t>
+            </a:r>
+            <a:r>
+              <a:rPr lang="en-US" sz="2400" dirty="0" err="1" smtClean="0"/>
+              <a:t>matplotlib</a:t>
+            </a:r>
+            <a:r>
+              <a:rPr lang="en-US" sz="2400" dirty="0"/>
+              <a:t>, Adobe illustrator and </a:t>
+            </a:r>
+            <a:r>
+              <a:rPr lang="en-US" sz="2400" dirty="0" smtClean="0"/>
+              <a:t>ai2html</a:t>
+            </a:r>
+          </a:p>
+          <a:p>
+            <a:endParaRPr lang="en-US" sz="2400" dirty="0" smtClean="0"/>
+          </a:p>
+          <a:p>
+            <a:r>
+              <a:rPr lang="en-US" sz="2400" dirty="0" smtClean="0"/>
+              <a:t>Maps: </a:t>
+            </a:r>
+            <a:r>
+              <a:rPr lang="en-US" sz="2400" dirty="0" err="1" smtClean="0"/>
+              <a:t>Qgis</a:t>
+            </a:r>
+            <a:r>
+              <a:rPr lang="en-US" sz="2400" dirty="0"/>
+              <a:t>, Adobe illustrator, </a:t>
+            </a:r>
+            <a:r>
+              <a:rPr lang="en-US" sz="2400" dirty="0" err="1"/>
+              <a:t>Mapbox</a:t>
+            </a:r>
+            <a:r>
+              <a:rPr lang="en-US" sz="2400" dirty="0"/>
+              <a:t> </a:t>
+            </a:r>
+            <a:r>
+              <a:rPr lang="en-US" sz="2400"/>
+              <a:t>and </a:t>
+            </a:r>
+            <a:r>
+              <a:rPr lang="en-US" sz="2400" smtClean="0"/>
+              <a:t>D3.js</a:t>
+            </a:r>
+            <a:endParaRPr lang="en-US" sz="2400" dirty="0"/>
           </a:p>
         </p:txBody>
       </p:sp>

--- a/Beijing.pptx
+++ b/Beijing.pptx
@@ -560,6 +560,118 @@
 </file>
 
 <file path=ppt/notesSlides/notesSlide2.xml><?xml version="1.0" encoding="utf-8"?>
+<p:notes xmlns:a="http://schemas.openxmlformats.org/drawingml/2006/main" xmlns:r="http://schemas.openxmlformats.org/officeDocument/2006/relationships" xmlns:p="http://schemas.openxmlformats.org/presentationml/2006/main">
+  <p:cSld>
+    <p:spTree>
+      <p:nvGrpSpPr>
+        <p:cNvPr id="1" name=""/>
+        <p:cNvGrpSpPr/>
+        <p:nvPr/>
+      </p:nvGrpSpPr>
+      <p:grpSpPr>
+        <a:xfrm>
+          <a:off x="0" y="0"/>
+          <a:ext cx="0" cy="0"/>
+          <a:chOff x="0" y="0"/>
+          <a:chExt cx="0" cy="0"/>
+        </a:xfrm>
+      </p:grpSpPr>
+      <p:sp>
+        <p:nvSpPr>
+          <p:cNvPr id="2" name="Slide Image Placeholder 1"/>
+          <p:cNvSpPr>
+            <a:spLocks noGrp="1" noRot="1" noChangeAspect="1"/>
+          </p:cNvSpPr>
+          <p:nvPr>
+            <p:ph type="sldImg"/>
+          </p:nvPr>
+        </p:nvSpPr>
+        <p:spPr/>
+      </p:sp>
+      <p:sp>
+        <p:nvSpPr>
+          <p:cNvPr id="3" name="Notes Placeholder 2"/>
+          <p:cNvSpPr>
+            <a:spLocks noGrp="1"/>
+          </p:cNvSpPr>
+          <p:nvPr>
+            <p:ph type="body" idx="1"/>
+          </p:nvPr>
+        </p:nvSpPr>
+        <p:spPr/>
+        <p:txBody>
+          <a:bodyPr/>
+          <a:lstStyle/>
+          <a:p>
+            <a:r>
+              <a:rPr lang="en-US" dirty="0" smtClean="0"/>
+              <a:t>PM2.5: Particulate matter that</a:t>
+            </a:r>
+            <a:r>
+              <a:rPr lang="en-US" baseline="0" dirty="0" smtClean="0"/>
+              <a:t> is 2.5 micrometers in diameter or smaller, the most harmful air pollutant</a:t>
+            </a:r>
+          </a:p>
+          <a:p>
+            <a:r>
+              <a:rPr lang="en-US" baseline="0" dirty="0" smtClean="0"/>
+              <a:t>SO2 NO2</a:t>
+            </a:r>
+          </a:p>
+          <a:p>
+            <a:r>
+              <a:rPr lang="en-US" baseline="0" dirty="0" smtClean="0"/>
+              <a:t>Sulfur dioxide </a:t>
+            </a:r>
+          </a:p>
+          <a:p>
+            <a:r>
+              <a:rPr lang="en-US" baseline="0" smtClean="0"/>
+              <a:t>Nitrogen dioxide</a:t>
+            </a:r>
+          </a:p>
+          <a:p>
+            <a:endParaRPr lang="en-US" dirty="0"/>
+          </a:p>
+        </p:txBody>
+      </p:sp>
+      <p:sp>
+        <p:nvSpPr>
+          <p:cNvPr id="4" name="Slide Number Placeholder 3"/>
+          <p:cNvSpPr>
+            <a:spLocks noGrp="1"/>
+          </p:cNvSpPr>
+          <p:nvPr>
+            <p:ph type="sldNum" sz="quarter" idx="10"/>
+          </p:nvPr>
+        </p:nvSpPr>
+        <p:spPr/>
+        <p:txBody>
+          <a:bodyPr/>
+          <a:lstStyle/>
+          <a:p>
+            <a:fld id="{EA17B29D-31C1-3C40-91EE-FE128E1593EC}" type="slidenum">
+              <a:rPr lang="en-US" smtClean="0"/>
+              <a:t>2</a:t>
+            </a:fld>
+            <a:endParaRPr lang="en-US"/>
+          </a:p>
+        </p:txBody>
+      </p:sp>
+    </p:spTree>
+    <p:extLst>
+      <p:ext uri="{BB962C8B-B14F-4D97-AF65-F5344CB8AC3E}">
+        <p14:creationId xmlns:p14="http://schemas.microsoft.com/office/powerpoint/2010/main" val="182500054"/>
+      </p:ext>
+    </p:extLst>
+  </p:cSld>
+  <p:clrMapOvr>
+    <a:masterClrMapping/>
+  </p:clrMapOvr>
+</p:notes>
+</file>
+
+<file path=ppt/notesSlides/notesSlide3.xml><?xml version="1.0" encoding="utf-8"?>
 <p:notes xmlns:a="http://schemas.openxmlformats.org/drawingml/2006/main" xmlns:r="http://schemas.openxmlformats.org/officeDocument/2006/relationships" xmlns:p="http://schemas.openxmlformats.org/presentationml/2006/main">
   <p:cSld>
     <p:spTree>
@@ -4581,6 +4693,10 @@
               <a:rPr lang="zh-CN" altLang="en-US" dirty="0" smtClean="0"/>
               <a:t> </a:t>
             </a:r>
+            <a:r>
+              <a:rPr lang="en-US" altLang="zh-CN" dirty="0" smtClean="0"/>
+              <a:t>(Dirty, Foggy Air)</a:t>
+            </a:r>
             <a:endParaRPr lang="en-US" altLang="zh-CN" dirty="0"/>
           </a:p>
           <a:p>
@@ -4603,6 +4719,14 @@
             <a:r>
               <a:rPr lang="mr-IN" altLang="zh-CN" dirty="0" smtClean="0"/>
               <a:t>…</a:t>
+            </a:r>
+            <a:r>
+              <a:rPr lang="en-US" altLang="zh-CN" dirty="0" smtClean="0"/>
+              <a:t> </a:t>
+            </a:r>
+            <a:r>
+              <a:rPr lang="en-US" altLang="zh-CN" smtClean="0"/>
+              <a:t>(Invisible) </a:t>
             </a:r>
             <a:endParaRPr lang="en-US" altLang="zh-CN" dirty="0" smtClean="0"/>
           </a:p>
